--- a/Documentation/AsTeRICS Plugin Development.pptx
+++ b/Documentation/AsTeRICS Plugin Development.pptx
@@ -5,7 +5,7 @@
     <p:sldMasterId id="2147483716" r:id="rId1"/>
   </p:sldMasterIdLst>
   <p:notesMasterIdLst>
-    <p:notesMasterId r:id="rId38"/>
+    <p:notesMasterId r:id="rId41"/>
   </p:notesMasterIdLst>
   <p:sldIdLst>
     <p:sldId id="256" r:id="rId2"/>
@@ -44,6 +44,9 @@
     <p:sldId id="296" r:id="rId35"/>
     <p:sldId id="297" r:id="rId36"/>
     <p:sldId id="299" r:id="rId37"/>
+    <p:sldId id="300" r:id="rId38"/>
+    <p:sldId id="301" r:id="rId39"/>
+    <p:sldId id="302" r:id="rId40"/>
   </p:sldIdLst>
   <p:sldSz cx="9144000" cy="6858000" type="screen4x3"/>
   <p:notesSz cx="6858000" cy="9144000"/>
@@ -16845,17 +16848,95 @@
             <a:pPr marL="0" indent="0">
               <a:buNone/>
             </a:pPr>
-            <a:endParaRPr lang="de-AT"/>
+            <a:endParaRPr lang="de-AT" dirty="0"/>
           </a:p>
           <a:p>
             <a:pPr marL="0" indent="0">
               <a:buNone/>
             </a:pPr>
             <a:r>
-              <a:rPr lang="de-AT"/>
+              <a:rPr lang="de-AT" dirty="0" err="1"/>
               <a:t>Example</a:t>
             </a:r>
             <a:endParaRPr lang="de-AT" dirty="0"/>
+          </a:p>
+          <a:p>
+            <a:r>
+              <a:rPr lang="de-AT" dirty="0" err="1"/>
+              <a:t>Get</a:t>
+            </a:r>
+            <a:r>
+              <a:rPr lang="de-AT" dirty="0"/>
+              <a:t> URI </a:t>
+            </a:r>
+            <a:r>
+              <a:rPr lang="de-AT" dirty="0" err="1"/>
+              <a:t>of</a:t>
+            </a:r>
+            <a:r>
+              <a:rPr lang="de-AT" dirty="0"/>
+              <a:t> </a:t>
+            </a:r>
+            <a:r>
+              <a:rPr lang="de-AT" dirty="0" err="1"/>
+              <a:t>image</a:t>
+            </a:r>
+            <a:r>
+              <a:rPr lang="de-AT" dirty="0"/>
+              <a:t> </a:t>
+            </a:r>
+            <a:r>
+              <a:rPr lang="de-AT" dirty="0" err="1"/>
+              <a:t>resource</a:t>
+            </a:r>
+            <a:endParaRPr lang="de-AT" dirty="0"/>
+          </a:p>
+          <a:p>
+            <a:pPr marL="0" indent="0">
+              <a:buNone/>
+            </a:pPr>
+            <a:r>
+              <a:rPr lang="de-AT" sz="1100" b="1" dirty="0"/>
+              <a:t>URI </a:t>
+            </a:r>
+            <a:r>
+              <a:rPr lang="de-AT" sz="1100" b="1" dirty="0" err="1"/>
+              <a:t>myURI</a:t>
+            </a:r>
+            <a:r>
+              <a:rPr lang="de-AT" sz="1100" b="1" dirty="0"/>
+              <a:t> = </a:t>
+            </a:r>
+          </a:p>
+          <a:p>
+            <a:pPr marL="0" indent="0">
+              <a:buNone/>
+            </a:pPr>
+            <a:r>
+              <a:rPr lang="de-AT" sz="1100" b="1" dirty="0" err="1"/>
+              <a:t>ResourceRegistry.getInstance</a:t>
+            </a:r>
+            <a:r>
+              <a:rPr lang="de-AT" sz="1100" b="1" dirty="0"/>
+              <a:t>().</a:t>
+            </a:r>
+            <a:r>
+              <a:rPr lang="de-AT" sz="1100" b="1" dirty="0" err="1"/>
+              <a:t>getResource</a:t>
+            </a:r>
+            <a:r>
+              <a:rPr lang="de-AT" sz="1100" b="1" dirty="0"/>
+              <a:t>("</a:t>
+            </a:r>
+            <a:r>
+              <a:rPr lang="de-AT" sz="1100" b="1" dirty="0" err="1"/>
+              <a:t>pictures</a:t>
+            </a:r>
+            <a:r>
+              <a:rPr lang="de-AT" sz="1100" b="1" dirty="0"/>
+              <a:t>/slide7.jpg", RES_TYPE.DATA); </a:t>
+            </a:r>
+            <a:endParaRPr lang="de-AT" b="1" dirty="0"/>
           </a:p>
           <a:p>
             <a:pPr marL="0" indent="0">
@@ -16864,6 +16945,69 @@
             <a:endParaRPr lang="de-AT" dirty="0"/>
           </a:p>
           <a:p>
+            <a:r>
+              <a:rPr lang="de-AT" dirty="0" err="1"/>
+              <a:t>Get</a:t>
+            </a:r>
+            <a:r>
+              <a:rPr lang="de-AT" dirty="0"/>
+              <a:t> </a:t>
+            </a:r>
+            <a:r>
+              <a:rPr lang="de-AT" dirty="0" err="1"/>
+              <a:t>contents</a:t>
+            </a:r>
+            <a:r>
+              <a:rPr lang="de-AT" dirty="0"/>
+              <a:t> </a:t>
+            </a:r>
+            <a:r>
+              <a:rPr lang="de-AT" dirty="0" err="1"/>
+              <a:t>of</a:t>
+            </a:r>
+            <a:r>
+              <a:rPr lang="de-AT" dirty="0"/>
+              <a:t> </a:t>
+            </a:r>
+            <a:r>
+              <a:rPr lang="de-AT" dirty="0" err="1"/>
+              <a:t>text</a:t>
+            </a:r>
+            <a:r>
+              <a:rPr lang="de-AT" dirty="0"/>
+              <a:t> </a:t>
+            </a:r>
+            <a:r>
+              <a:rPr lang="de-AT" dirty="0" err="1"/>
+              <a:t>file</a:t>
+            </a:r>
+            <a:r>
+              <a:rPr lang="de-AT" dirty="0"/>
+              <a:t> in </a:t>
+            </a:r>
+            <a:r>
+              <a:rPr lang="de-AT" dirty="0" err="1"/>
+              <a:t>data</a:t>
+            </a:r>
+            <a:r>
+              <a:rPr lang="de-AT" dirty="0"/>
+              <a:t>/</a:t>
+            </a:r>
+            <a:r>
+              <a:rPr lang="de-AT" dirty="0" err="1"/>
+              <a:t>scripts</a:t>
+            </a:r>
+            <a:r>
+              <a:rPr lang="de-AT" dirty="0"/>
+              <a:t> </a:t>
+            </a:r>
+            <a:r>
+              <a:rPr lang="de-AT"/>
+              <a:t>folder</a:t>
+            </a:r>
+            <a:endParaRPr lang="de-AT" dirty="0"/>
+          </a:p>
+          <a:p>
             <a:pPr marL="0" indent="0">
               <a:buNone/>
             </a:pPr>
@@ -16914,21 +17058,35 @@
                 <a:latin typeface="Consolas" panose="020B0609020204030204" pitchFamily="49" charset="0"/>
                 <a:cs typeface="Consolas" panose="020B0609020204030204" pitchFamily="49" charset="0"/>
               </a:rPr>
-              <a:t>("CameraMouse.</a:t>
+              <a:t>("</a:t>
             </a:r>
             <a:r>
               <a:rPr lang="de-AT" sz="1100" b="1" dirty="0" err="1">
                 <a:latin typeface="Consolas" panose="020B0609020204030204" pitchFamily="49" charset="0"/>
                 <a:cs typeface="Consolas" panose="020B0609020204030204" pitchFamily="49" charset="0"/>
               </a:rPr>
-              <a:t>acs</a:t>
+              <a:t>scripts</a:t>
             </a:r>
             <a:r>
               <a:rPr lang="de-AT" sz="1100" b="1" dirty="0">
                 <a:latin typeface="Consolas" panose="020B0609020204030204" pitchFamily="49" charset="0"/>
                 <a:cs typeface="Consolas" panose="020B0609020204030204" pitchFamily="49" charset="0"/>
               </a:rPr>
-              <a:t>",RES_TYPE.MODEL);</a:t>
+              <a:t>/script.</a:t>
+            </a:r>
+            <a:r>
+              <a:rPr lang="de-AT" sz="1100" b="1" dirty="0" err="1">
+                <a:latin typeface="Consolas" panose="020B0609020204030204" pitchFamily="49" charset="0"/>
+                <a:cs typeface="Consolas" panose="020B0609020204030204" pitchFamily="49" charset="0"/>
+              </a:rPr>
+              <a:t>js</a:t>
+            </a:r>
+            <a:r>
+              <a:rPr lang="de-AT" sz="1100" b="1" dirty="0">
+                <a:latin typeface="Consolas" panose="020B0609020204030204" pitchFamily="49" charset="0"/>
+                <a:cs typeface="Consolas" panose="020B0609020204030204" pitchFamily="49" charset="0"/>
+              </a:rPr>
+              <a:t>",RES_TYPE.DATA);</a:t>
             </a:r>
             <a:endParaRPr lang="de-AT" b="1" dirty="0">
               <a:latin typeface="Consolas" panose="020B0609020204030204" pitchFamily="49" charset="0"/>
@@ -17021,6 +17179,1173 @@
     <p:extLst>
       <p:ext uri="{BB962C8B-B14F-4D97-AF65-F5344CB8AC3E}">
         <p14:creationId xmlns:p14="http://schemas.microsoft.com/office/powerpoint/2010/main" val="3657485377"/>
+      </p:ext>
+    </p:extLst>
+  </p:cSld>
+  <p:clrMapOvr>
+    <a:masterClrMapping/>
+  </p:clrMapOvr>
+</p:sld>
+</file>
+
+<file path=ppt/slides/slide37.xml><?xml version="1.0" encoding="utf-8"?>
+<p:sld xmlns:a="http://schemas.openxmlformats.org/drawingml/2006/main" xmlns:r="http://schemas.openxmlformats.org/officeDocument/2006/relationships" xmlns:p="http://schemas.openxmlformats.org/presentationml/2006/main">
+  <p:cSld>
+    <p:spTree>
+      <p:nvGrpSpPr>
+        <p:cNvPr id="1" name=""/>
+        <p:cNvGrpSpPr/>
+        <p:nvPr/>
+      </p:nvGrpSpPr>
+      <p:grpSpPr>
+        <a:xfrm>
+          <a:off x="0" y="0"/>
+          <a:ext cx="0" cy="0"/>
+          <a:chOff x="0" y="0"/>
+          <a:chExt cx="0" cy="0"/>
+        </a:xfrm>
+      </p:grpSpPr>
+      <p:sp>
+        <p:nvSpPr>
+          <p:cNvPr id="2" name="Titel 1">
+            <a:extLst>
+              <a:ext uri="{FF2B5EF4-FFF2-40B4-BE49-F238E27FC236}">
+                <a16:creationId xmlns:a16="http://schemas.microsoft.com/office/drawing/2014/main" id="{F81BF8B7-505A-45EE-8533-015BC62300A2}"/>
+              </a:ext>
+            </a:extLst>
+          </p:cNvPr>
+          <p:cNvSpPr>
+            <a:spLocks noGrp="1"/>
+          </p:cNvSpPr>
+          <p:nvPr>
+            <p:ph type="title"/>
+          </p:nvPr>
+        </p:nvSpPr>
+        <p:spPr/>
+        <p:txBody>
+          <a:bodyPr/>
+          <a:lstStyle/>
+          <a:p>
+            <a:r>
+              <a:rPr lang="de-AT" dirty="0"/>
+              <a:t>Plugin License Files</a:t>
+            </a:r>
+          </a:p>
+        </p:txBody>
+      </p:sp>
+      <p:sp>
+        <p:nvSpPr>
+          <p:cNvPr id="3" name="Inhaltsplatzhalter 2">
+            <a:extLst>
+              <a:ext uri="{FF2B5EF4-FFF2-40B4-BE49-F238E27FC236}">
+                <a16:creationId xmlns:a16="http://schemas.microsoft.com/office/drawing/2014/main" id="{70599C29-133C-43F5-A23B-AA6D8A66444F}"/>
+              </a:ext>
+            </a:extLst>
+          </p:cNvPr>
+          <p:cNvSpPr>
+            <a:spLocks noGrp="1"/>
+          </p:cNvSpPr>
+          <p:nvPr>
+            <p:ph idx="1"/>
+          </p:nvPr>
+        </p:nvSpPr>
+        <p:spPr>
+          <a:xfrm>
+            <a:off x="617538" y="1844675"/>
+            <a:ext cx="7848600" cy="4175125"/>
+          </a:xfrm>
+        </p:spPr>
+        <p:txBody>
+          <a:bodyPr/>
+          <a:lstStyle/>
+          <a:p>
+            <a:r>
+              <a:rPr lang="de-AT" dirty="0"/>
+              <a:t>The </a:t>
+            </a:r>
+            <a:r>
+              <a:rPr lang="de-AT" dirty="0" err="1"/>
+              <a:t>author</a:t>
+            </a:r>
+            <a:r>
+              <a:rPr lang="de-AT" dirty="0"/>
+              <a:t> </a:t>
+            </a:r>
+            <a:r>
+              <a:rPr lang="de-AT" dirty="0" err="1"/>
+              <a:t>of</a:t>
+            </a:r>
+            <a:r>
+              <a:rPr lang="de-AT" dirty="0"/>
+              <a:t> a </a:t>
+            </a:r>
+            <a:r>
+              <a:rPr lang="de-AT" dirty="0" err="1"/>
+              <a:t>plugin</a:t>
+            </a:r>
+            <a:r>
+              <a:rPr lang="de-AT" dirty="0"/>
+              <a:t> must </a:t>
+            </a:r>
+            <a:r>
+              <a:rPr lang="de-AT" dirty="0" err="1"/>
+              <a:t>provide</a:t>
+            </a:r>
+            <a:r>
+              <a:rPr lang="de-AT" dirty="0"/>
+              <a:t> </a:t>
+            </a:r>
+            <a:r>
+              <a:rPr lang="de-AT" dirty="0" err="1"/>
+              <a:t>the</a:t>
+            </a:r>
+            <a:r>
+              <a:rPr lang="de-AT" dirty="0"/>
+              <a:t> </a:t>
+            </a:r>
+            <a:r>
+              <a:rPr lang="de-AT" dirty="0" err="1"/>
+              <a:t>license</a:t>
+            </a:r>
+            <a:r>
+              <a:rPr lang="de-AT" dirty="0"/>
+              <a:t> </a:t>
+            </a:r>
+            <a:r>
+              <a:rPr lang="de-AT" dirty="0" err="1"/>
+              <a:t>files</a:t>
+            </a:r>
+            <a:r>
+              <a:rPr lang="de-AT" dirty="0"/>
+              <a:t> </a:t>
+            </a:r>
+            <a:r>
+              <a:rPr lang="de-AT" dirty="0" err="1"/>
+              <a:t>of</a:t>
+            </a:r>
+            <a:r>
+              <a:rPr lang="de-AT" dirty="0"/>
+              <a:t> </a:t>
+            </a:r>
+            <a:r>
+              <a:rPr lang="de-AT" dirty="0" err="1"/>
+              <a:t>the</a:t>
+            </a:r>
+            <a:r>
+              <a:rPr lang="de-AT" dirty="0"/>
+              <a:t> </a:t>
+            </a:r>
+            <a:r>
+              <a:rPr lang="de-AT" dirty="0" err="1"/>
+              <a:t>plugin</a:t>
+            </a:r>
+            <a:endParaRPr lang="de-AT" dirty="0"/>
+          </a:p>
+          <a:p>
+            <a:r>
+              <a:rPr lang="de-AT" dirty="0"/>
+              <a:t>The </a:t>
+            </a:r>
+            <a:r>
+              <a:rPr lang="de-AT" dirty="0" err="1"/>
+              <a:t>license</a:t>
+            </a:r>
+            <a:r>
+              <a:rPr lang="de-AT" dirty="0"/>
+              <a:t> </a:t>
+            </a:r>
+            <a:r>
+              <a:rPr lang="de-AT" dirty="0" err="1"/>
+              <a:t>of</a:t>
+            </a:r>
+            <a:r>
+              <a:rPr lang="de-AT" dirty="0"/>
+              <a:t> </a:t>
+            </a:r>
+            <a:r>
+              <a:rPr lang="de-AT" dirty="0" err="1"/>
+              <a:t>self-authored</a:t>
+            </a:r>
+            <a:r>
+              <a:rPr lang="de-AT" dirty="0"/>
+              <a:t> </a:t>
+            </a:r>
+            <a:r>
+              <a:rPr lang="de-AT" dirty="0" err="1"/>
+              <a:t>code</a:t>
+            </a:r>
+            <a:endParaRPr lang="de-AT" dirty="0"/>
+          </a:p>
+          <a:p>
+            <a:r>
+              <a:rPr lang="de-AT" dirty="0"/>
+              <a:t>The </a:t>
+            </a:r>
+            <a:r>
+              <a:rPr lang="de-AT" dirty="0" err="1"/>
+              <a:t>license</a:t>
+            </a:r>
+            <a:r>
+              <a:rPr lang="de-AT" dirty="0"/>
+              <a:t> </a:t>
+            </a:r>
+            <a:r>
+              <a:rPr lang="de-AT" dirty="0" err="1"/>
+              <a:t>of</a:t>
+            </a:r>
+            <a:r>
+              <a:rPr lang="de-AT" dirty="0"/>
+              <a:t> </a:t>
+            </a:r>
+            <a:r>
+              <a:rPr lang="de-AT" dirty="0" err="1"/>
+              <a:t>used</a:t>
+            </a:r>
+            <a:r>
+              <a:rPr lang="de-AT" dirty="0"/>
+              <a:t> </a:t>
+            </a:r>
+            <a:r>
+              <a:rPr lang="de-AT" dirty="0" err="1"/>
+              <a:t>third</a:t>
+            </a:r>
+            <a:r>
+              <a:rPr lang="de-AT" dirty="0"/>
+              <a:t>-party </a:t>
+            </a:r>
+            <a:r>
+              <a:rPr lang="de-AT" dirty="0" err="1"/>
+              <a:t>code</a:t>
+            </a:r>
+            <a:endParaRPr lang="de-AT" dirty="0"/>
+          </a:p>
+          <a:p>
+            <a:r>
+              <a:rPr lang="de-AT" dirty="0"/>
+              <a:t>Put all </a:t>
+            </a:r>
+            <a:r>
+              <a:rPr lang="de-AT" dirty="0" err="1"/>
+              <a:t>the</a:t>
+            </a:r>
+            <a:r>
+              <a:rPr lang="de-AT" dirty="0"/>
+              <a:t> </a:t>
+            </a:r>
+            <a:r>
+              <a:rPr lang="de-AT" dirty="0" err="1"/>
+              <a:t>files</a:t>
+            </a:r>
+            <a:r>
+              <a:rPr lang="de-AT" dirty="0"/>
+              <a:t> </a:t>
+            </a:r>
+            <a:r>
+              <a:rPr lang="de-AT" dirty="0" err="1"/>
+              <a:t>into</a:t>
+            </a:r>
+            <a:r>
+              <a:rPr lang="de-AT" dirty="0"/>
+              <a:t> </a:t>
+            </a:r>
+            <a:r>
+              <a:rPr lang="de-AT" dirty="0" err="1"/>
+              <a:t>the</a:t>
+            </a:r>
+            <a:r>
+              <a:rPr lang="de-AT" dirty="0"/>
+              <a:t> </a:t>
+            </a:r>
+            <a:r>
+              <a:rPr lang="de-AT" dirty="0" err="1"/>
+              <a:t>folder</a:t>
+            </a:r>
+            <a:br>
+              <a:rPr lang="de-AT" b="1" dirty="0">
+                <a:latin typeface="Consolas" panose="020B0609020204030204" pitchFamily="49" charset="0"/>
+                <a:cs typeface="Consolas" panose="020B0609020204030204" pitchFamily="49" charset="0"/>
+              </a:rPr>
+            </a:br>
+            <a:br>
+              <a:rPr lang="de-AT" b="1" dirty="0">
+                <a:latin typeface="Consolas" panose="020B0609020204030204" pitchFamily="49" charset="0"/>
+                <a:cs typeface="Consolas" panose="020B0609020204030204" pitchFamily="49" charset="0"/>
+              </a:rPr>
+            </a:br>
+            <a:r>
+              <a:rPr lang="de-AT" b="1" dirty="0">
+                <a:latin typeface="Consolas" panose="020B0609020204030204" pitchFamily="49" charset="0"/>
+                <a:cs typeface="Consolas" panose="020B0609020204030204" pitchFamily="49" charset="0"/>
+              </a:rPr>
+              <a:t>ARE/</a:t>
+            </a:r>
+            <a:r>
+              <a:rPr lang="de-AT" b="1" dirty="0" err="1">
+                <a:latin typeface="Consolas" panose="020B0609020204030204" pitchFamily="49" charset="0"/>
+                <a:cs typeface="Consolas" panose="020B0609020204030204" pitchFamily="49" charset="0"/>
+              </a:rPr>
+              <a:t>components</a:t>
+            </a:r>
+            <a:r>
+              <a:rPr lang="de-AT" b="1" dirty="0">
+                <a:latin typeface="Consolas" panose="020B0609020204030204" pitchFamily="49" charset="0"/>
+                <a:cs typeface="Consolas" panose="020B0609020204030204" pitchFamily="49" charset="0"/>
+              </a:rPr>
+              <a:t>/&lt;</a:t>
+            </a:r>
+            <a:r>
+              <a:rPr lang="de-AT" b="1" dirty="0" err="1">
+                <a:latin typeface="Consolas" panose="020B0609020204030204" pitchFamily="49" charset="0"/>
+                <a:cs typeface="Consolas" panose="020B0609020204030204" pitchFamily="49" charset="0"/>
+              </a:rPr>
+              <a:t>mycomponent</a:t>
+            </a:r>
+            <a:r>
+              <a:rPr lang="de-AT" b="1" dirty="0">
+                <a:latin typeface="Consolas" panose="020B0609020204030204" pitchFamily="49" charset="0"/>
+                <a:cs typeface="Consolas" panose="020B0609020204030204" pitchFamily="49" charset="0"/>
+              </a:rPr>
+              <a:t>&gt;/LICENSE</a:t>
+            </a:r>
+          </a:p>
+          <a:p>
+            <a:endParaRPr lang="de-AT" b="1" dirty="0">
+              <a:latin typeface="Consolas" panose="020B0609020204030204" pitchFamily="49" charset="0"/>
+              <a:cs typeface="Consolas" panose="020B0609020204030204" pitchFamily="49" charset="0"/>
+            </a:endParaRPr>
+          </a:p>
+          <a:p>
+            <a:r>
+              <a:rPr lang="de-AT" dirty="0"/>
+              <a:t>Use </a:t>
+            </a:r>
+            <a:r>
+              <a:rPr lang="de-AT" dirty="0" err="1"/>
+              <a:t>this</a:t>
+            </a:r>
+            <a:r>
+              <a:rPr lang="de-AT" dirty="0"/>
+              <a:t> </a:t>
+            </a:r>
+            <a:r>
+              <a:rPr lang="de-AT" dirty="0" err="1">
+                <a:hlinkClick r:id="rId2"/>
+              </a:rPr>
+              <a:t>file</a:t>
+            </a:r>
+            <a:r>
+              <a:rPr lang="de-AT" dirty="0">
+                <a:hlinkClick r:id="rId2"/>
+              </a:rPr>
+              <a:t> </a:t>
+            </a:r>
+            <a:r>
+              <a:rPr lang="de-AT" dirty="0" err="1">
+                <a:hlinkClick r:id="rId2"/>
+              </a:rPr>
+              <a:t>name</a:t>
+            </a:r>
+            <a:r>
+              <a:rPr lang="de-AT" dirty="0">
+                <a:hlinkClick r:id="rId2"/>
+              </a:rPr>
+              <a:t> </a:t>
+            </a:r>
+            <a:r>
+              <a:rPr lang="de-AT" dirty="0" err="1">
+                <a:hlinkClick r:id="rId2"/>
+              </a:rPr>
+              <a:t>convention</a:t>
+            </a:r>
+            <a:endParaRPr lang="de-AT" dirty="0"/>
+          </a:p>
+        </p:txBody>
+      </p:sp>
+      <p:sp>
+        <p:nvSpPr>
+          <p:cNvPr id="4" name="Foliennummernplatzhalter 3">
+            <a:extLst>
+              <a:ext uri="{FF2B5EF4-FFF2-40B4-BE49-F238E27FC236}">
+                <a16:creationId xmlns:a16="http://schemas.microsoft.com/office/drawing/2014/main" id="{5DAFD67A-B7D1-41F2-9FA8-AB84AB92B695}"/>
+              </a:ext>
+            </a:extLst>
+          </p:cNvPr>
+          <p:cNvSpPr>
+            <a:spLocks noGrp="1"/>
+          </p:cNvSpPr>
+          <p:nvPr>
+            <p:ph type="sldNum" sz="quarter" idx="10"/>
+          </p:nvPr>
+        </p:nvSpPr>
+        <p:spPr/>
+        <p:txBody>
+          <a:bodyPr/>
+          <a:lstStyle/>
+          <a:p>
+            <a:pPr>
+              <a:defRPr/>
+            </a:pPr>
+            <a:endParaRPr lang="de-AT"/>
+          </a:p>
+          <a:p>
+            <a:pPr>
+              <a:defRPr/>
+            </a:pPr>
+            <a:fld id="{FC57D116-29D2-4BDB-82E7-EE58344D87BF}" type="slidenum">
+              <a:rPr lang="de-AT" sz="800" smtClean="0">
+                <a:solidFill>
+                  <a:srgbClr val="626B71"/>
+                </a:solidFill>
+              </a:rPr>
+              <a:pPr>
+                <a:defRPr/>
+              </a:pPr>
+              <a:t>37</a:t>
+            </a:fld>
+            <a:endParaRPr lang="de-AT" sz="800">
+              <a:solidFill>
+                <a:srgbClr val="626B71"/>
+              </a:solidFill>
+            </a:endParaRPr>
+          </a:p>
+        </p:txBody>
+      </p:sp>
+      <p:sp>
+        <p:nvSpPr>
+          <p:cNvPr id="5" name="Fußzeilenplatzhalter 4">
+            <a:extLst>
+              <a:ext uri="{FF2B5EF4-FFF2-40B4-BE49-F238E27FC236}">
+                <a16:creationId xmlns:a16="http://schemas.microsoft.com/office/drawing/2014/main" id="{98F72DEC-4870-4799-9D14-27987512FC64}"/>
+              </a:ext>
+            </a:extLst>
+          </p:cNvPr>
+          <p:cNvSpPr>
+            <a:spLocks noGrp="1"/>
+          </p:cNvSpPr>
+          <p:nvPr>
+            <p:ph type="ftr" sz="quarter" idx="11"/>
+          </p:nvPr>
+        </p:nvSpPr>
+        <p:spPr/>
+        <p:txBody>
+          <a:bodyPr/>
+          <a:lstStyle/>
+          <a:p>
+            <a:pPr>
+              <a:defRPr/>
+            </a:pPr>
+            <a:r>
+              <a:rPr lang="de-AT"/>
+              <a:t>© FH Technikum Wien</a:t>
+            </a:r>
+          </a:p>
+        </p:txBody>
+      </p:sp>
+    </p:spTree>
+    <p:extLst>
+      <p:ext uri="{BB962C8B-B14F-4D97-AF65-F5344CB8AC3E}">
+        <p14:creationId xmlns:p14="http://schemas.microsoft.com/office/powerpoint/2010/main" val="1625382978"/>
+      </p:ext>
+    </p:extLst>
+  </p:cSld>
+  <p:clrMapOvr>
+    <a:masterClrMapping/>
+  </p:clrMapOvr>
+</p:sld>
+</file>
+
+<file path=ppt/slides/slide38.xml><?xml version="1.0" encoding="utf-8"?>
+<p:sld xmlns:a="http://schemas.openxmlformats.org/drawingml/2006/main" xmlns:r="http://schemas.openxmlformats.org/officeDocument/2006/relationships" xmlns:p="http://schemas.openxmlformats.org/presentationml/2006/main">
+  <p:cSld>
+    <p:spTree>
+      <p:nvGrpSpPr>
+        <p:cNvPr id="1" name=""/>
+        <p:cNvGrpSpPr/>
+        <p:nvPr/>
+      </p:nvGrpSpPr>
+      <p:grpSpPr>
+        <a:xfrm>
+          <a:off x="0" y="0"/>
+          <a:ext cx="0" cy="0"/>
+          <a:chOff x="0" y="0"/>
+          <a:chExt cx="0" cy="0"/>
+        </a:xfrm>
+      </p:grpSpPr>
+      <p:sp>
+        <p:nvSpPr>
+          <p:cNvPr id="2" name="Titel 1">
+            <a:extLst>
+              <a:ext uri="{FF2B5EF4-FFF2-40B4-BE49-F238E27FC236}">
+                <a16:creationId xmlns:a16="http://schemas.microsoft.com/office/drawing/2014/main" id="{F81BF8B7-505A-45EE-8533-015BC62300A2}"/>
+              </a:ext>
+            </a:extLst>
+          </p:cNvPr>
+          <p:cNvSpPr>
+            <a:spLocks noGrp="1"/>
+          </p:cNvSpPr>
+          <p:nvPr>
+            <p:ph type="title"/>
+          </p:nvPr>
+        </p:nvSpPr>
+        <p:spPr/>
+        <p:txBody>
+          <a:bodyPr/>
+          <a:lstStyle/>
+          <a:p>
+            <a:r>
+              <a:rPr lang="de-AT" dirty="0"/>
+              <a:t>Plugin Help File</a:t>
+            </a:r>
+          </a:p>
+        </p:txBody>
+      </p:sp>
+      <p:sp>
+        <p:nvSpPr>
+          <p:cNvPr id="3" name="Inhaltsplatzhalter 2">
+            <a:extLst>
+              <a:ext uri="{FF2B5EF4-FFF2-40B4-BE49-F238E27FC236}">
+                <a16:creationId xmlns:a16="http://schemas.microsoft.com/office/drawing/2014/main" id="{70599C29-133C-43F5-A23B-AA6D8A66444F}"/>
+              </a:ext>
+            </a:extLst>
+          </p:cNvPr>
+          <p:cNvSpPr>
+            <a:spLocks noGrp="1"/>
+          </p:cNvSpPr>
+          <p:nvPr>
+            <p:ph idx="1"/>
+          </p:nvPr>
+        </p:nvSpPr>
+        <p:spPr>
+          <a:xfrm>
+            <a:off x="617538" y="1844675"/>
+            <a:ext cx="7848600" cy="4175125"/>
+          </a:xfrm>
+        </p:spPr>
+        <p:txBody>
+          <a:bodyPr/>
+          <a:lstStyle/>
+          <a:p>
+            <a:r>
+              <a:rPr lang="de-AT" dirty="0" err="1"/>
+              <a:t>Provide</a:t>
+            </a:r>
+            <a:r>
+              <a:rPr lang="de-AT" dirty="0"/>
+              <a:t> a </a:t>
+            </a:r>
+            <a:r>
+              <a:rPr lang="de-AT" dirty="0" err="1"/>
+              <a:t>help</a:t>
+            </a:r>
+            <a:r>
+              <a:rPr lang="de-AT" dirty="0"/>
+              <a:t> </a:t>
+            </a:r>
+            <a:r>
+              <a:rPr lang="de-AT" dirty="0" err="1"/>
+              <a:t>which</a:t>
+            </a:r>
+            <a:r>
+              <a:rPr lang="de-AT" dirty="0"/>
+              <a:t> </a:t>
+            </a:r>
+            <a:r>
+              <a:rPr lang="de-AT" dirty="0" err="1"/>
+              <a:t>is</a:t>
+            </a:r>
+            <a:r>
+              <a:rPr lang="de-AT" dirty="0"/>
+              <a:t> </a:t>
+            </a:r>
+            <a:r>
+              <a:rPr lang="de-AT" dirty="0" err="1"/>
+              <a:t>shown</a:t>
+            </a:r>
+            <a:r>
+              <a:rPr lang="de-AT" dirty="0"/>
+              <a:t> </a:t>
+            </a:r>
+            <a:r>
+              <a:rPr lang="de-AT" dirty="0" err="1"/>
+              <a:t>when</a:t>
+            </a:r>
+            <a:r>
+              <a:rPr lang="de-AT" dirty="0"/>
+              <a:t> </a:t>
+            </a:r>
+            <a:r>
+              <a:rPr lang="de-AT" dirty="0" err="1"/>
+              <a:t>pressing</a:t>
+            </a:r>
+            <a:r>
+              <a:rPr lang="de-AT" dirty="0"/>
+              <a:t> F1</a:t>
+            </a:r>
+          </a:p>
+          <a:p>
+            <a:endParaRPr lang="de-AT" dirty="0"/>
+          </a:p>
+          <a:p>
+            <a:r>
+              <a:rPr lang="de-AT" dirty="0"/>
+              <a:t>Copy </a:t>
+            </a:r>
+            <a:r>
+              <a:rPr lang="de-AT" dirty="0" err="1"/>
+              <a:t>another</a:t>
+            </a:r>
+            <a:r>
+              <a:rPr lang="de-AT" dirty="0"/>
+              <a:t> </a:t>
+            </a:r>
+            <a:r>
+              <a:rPr lang="de-AT" dirty="0" err="1"/>
+              <a:t>help</a:t>
+            </a:r>
+            <a:r>
+              <a:rPr lang="de-AT" dirty="0"/>
+              <a:t> </a:t>
+            </a:r>
+            <a:r>
+              <a:rPr lang="de-AT" dirty="0" err="1"/>
+              <a:t>file</a:t>
+            </a:r>
+            <a:r>
+              <a:rPr lang="de-AT" dirty="0"/>
+              <a:t> and save </a:t>
+            </a:r>
+            <a:r>
+              <a:rPr lang="de-AT" dirty="0" err="1"/>
+              <a:t>it</a:t>
+            </a:r>
+            <a:r>
+              <a:rPr lang="de-AT" dirty="0"/>
+              <a:t> </a:t>
+            </a:r>
+            <a:r>
+              <a:rPr lang="de-AT" dirty="0" err="1"/>
+              <a:t>to</a:t>
+            </a:r>
+            <a:r>
+              <a:rPr lang="de-AT" dirty="0"/>
+              <a:t> </a:t>
+            </a:r>
+            <a:r>
+              <a:rPr lang="de-AT" dirty="0" err="1"/>
+              <a:t>the</a:t>
+            </a:r>
+            <a:r>
+              <a:rPr lang="de-AT" dirty="0"/>
+              <a:t> </a:t>
+            </a:r>
+            <a:r>
+              <a:rPr lang="de-AT" dirty="0" err="1"/>
+              <a:t>appropriate</a:t>
+            </a:r>
+            <a:r>
+              <a:rPr lang="de-AT" dirty="0"/>
+              <a:t> </a:t>
+            </a:r>
+            <a:r>
+              <a:rPr lang="de-AT" dirty="0" err="1"/>
+              <a:t>location</a:t>
+            </a:r>
+            <a:r>
+              <a:rPr lang="de-AT" dirty="0"/>
+              <a:t>:</a:t>
+            </a:r>
+            <a:br>
+              <a:rPr lang="de-AT" dirty="0"/>
+            </a:br>
+            <a:br>
+              <a:rPr lang="de-AT" b="1" dirty="0">
+                <a:latin typeface="Consolas" panose="020B0609020204030204" pitchFamily="49" charset="0"/>
+                <a:cs typeface="Consolas" panose="020B0609020204030204" pitchFamily="49" charset="0"/>
+              </a:rPr>
+            </a:br>
+            <a:r>
+              <a:rPr lang="de-AT" b="1" dirty="0" err="1">
+                <a:latin typeface="Consolas" panose="020B0609020204030204" pitchFamily="49" charset="0"/>
+                <a:cs typeface="Consolas" panose="020B0609020204030204" pitchFamily="49" charset="0"/>
+                <a:hlinkClick r:id="rId2"/>
+              </a:rPr>
+              <a:t>Documentation</a:t>
+            </a:r>
+            <a:r>
+              <a:rPr lang="de-AT" b="1" dirty="0">
+                <a:latin typeface="Consolas" panose="020B0609020204030204" pitchFamily="49" charset="0"/>
+                <a:cs typeface="Consolas" panose="020B0609020204030204" pitchFamily="49" charset="0"/>
+                <a:hlinkClick r:id="rId2"/>
+              </a:rPr>
+              <a:t>/ACS-Help/HTML/Plugins</a:t>
+            </a:r>
+            <a:endParaRPr lang="de-AT" b="1" dirty="0">
+              <a:latin typeface="Consolas" panose="020B0609020204030204" pitchFamily="49" charset="0"/>
+              <a:cs typeface="Consolas" panose="020B0609020204030204" pitchFamily="49" charset="0"/>
+            </a:endParaRPr>
+          </a:p>
+          <a:p>
+            <a:endParaRPr lang="de-AT" b="1" dirty="0">
+              <a:latin typeface="Consolas" panose="020B0609020204030204" pitchFamily="49" charset="0"/>
+              <a:cs typeface="Consolas" panose="020B0609020204030204" pitchFamily="49" charset="0"/>
+            </a:endParaRPr>
+          </a:p>
+          <a:p>
+            <a:r>
+              <a:rPr lang="de-AT" dirty="0"/>
+              <a:t>The </a:t>
+            </a:r>
+            <a:r>
+              <a:rPr lang="de-AT" dirty="0" err="1"/>
+              <a:t>name</a:t>
+            </a:r>
+            <a:r>
+              <a:rPr lang="de-AT" dirty="0"/>
+              <a:t> </a:t>
+            </a:r>
+            <a:r>
+              <a:rPr lang="de-AT" dirty="0" err="1"/>
+              <a:t>of</a:t>
+            </a:r>
+            <a:r>
+              <a:rPr lang="de-AT" dirty="0"/>
+              <a:t> </a:t>
+            </a:r>
+            <a:r>
+              <a:rPr lang="de-AT" dirty="0" err="1"/>
+              <a:t>the</a:t>
+            </a:r>
+            <a:r>
+              <a:rPr lang="de-AT" dirty="0"/>
+              <a:t> </a:t>
+            </a:r>
+            <a:r>
+              <a:rPr lang="de-AT" dirty="0" err="1"/>
+              <a:t>file</a:t>
+            </a:r>
+            <a:r>
+              <a:rPr lang="de-AT" dirty="0"/>
+              <a:t> must </a:t>
+            </a:r>
+            <a:r>
+              <a:rPr lang="de-AT" dirty="0" err="1"/>
+              <a:t>be</a:t>
+            </a:r>
+            <a:r>
+              <a:rPr lang="de-AT" dirty="0"/>
+              <a:t> </a:t>
+            </a:r>
+            <a:r>
+              <a:rPr lang="de-AT" dirty="0" err="1"/>
+              <a:t>the</a:t>
+            </a:r>
+            <a:r>
+              <a:rPr lang="de-AT" dirty="0"/>
+              <a:t> </a:t>
+            </a:r>
+            <a:r>
+              <a:rPr lang="de-AT" dirty="0" err="1"/>
+              <a:t>name</a:t>
+            </a:r>
+            <a:r>
+              <a:rPr lang="de-AT" dirty="0"/>
+              <a:t> </a:t>
+            </a:r>
+            <a:r>
+              <a:rPr lang="de-AT" dirty="0" err="1"/>
+              <a:t>of</a:t>
+            </a:r>
+            <a:r>
+              <a:rPr lang="de-AT" dirty="0"/>
+              <a:t> </a:t>
+            </a:r>
+            <a:r>
+              <a:rPr lang="de-AT" dirty="0" err="1"/>
+              <a:t>the</a:t>
+            </a:r>
+            <a:r>
+              <a:rPr lang="de-AT" dirty="0"/>
+              <a:t> </a:t>
+            </a:r>
+            <a:r>
+              <a:rPr lang="de-AT" dirty="0" err="1"/>
+              <a:t>plugin</a:t>
+            </a:r>
+            <a:endParaRPr lang="de-AT" dirty="0"/>
+          </a:p>
+        </p:txBody>
+      </p:sp>
+      <p:sp>
+        <p:nvSpPr>
+          <p:cNvPr id="4" name="Foliennummernplatzhalter 3">
+            <a:extLst>
+              <a:ext uri="{FF2B5EF4-FFF2-40B4-BE49-F238E27FC236}">
+                <a16:creationId xmlns:a16="http://schemas.microsoft.com/office/drawing/2014/main" id="{5DAFD67A-B7D1-41F2-9FA8-AB84AB92B695}"/>
+              </a:ext>
+            </a:extLst>
+          </p:cNvPr>
+          <p:cNvSpPr>
+            <a:spLocks noGrp="1"/>
+          </p:cNvSpPr>
+          <p:nvPr>
+            <p:ph type="sldNum" sz="quarter" idx="10"/>
+          </p:nvPr>
+        </p:nvSpPr>
+        <p:spPr/>
+        <p:txBody>
+          <a:bodyPr/>
+          <a:lstStyle/>
+          <a:p>
+            <a:pPr>
+              <a:defRPr/>
+            </a:pPr>
+            <a:endParaRPr lang="de-AT"/>
+          </a:p>
+          <a:p>
+            <a:pPr>
+              <a:defRPr/>
+            </a:pPr>
+            <a:fld id="{FC57D116-29D2-4BDB-82E7-EE58344D87BF}" type="slidenum">
+              <a:rPr lang="de-AT" sz="800" smtClean="0">
+                <a:solidFill>
+                  <a:srgbClr val="626B71"/>
+                </a:solidFill>
+              </a:rPr>
+              <a:pPr>
+                <a:defRPr/>
+              </a:pPr>
+              <a:t>38</a:t>
+            </a:fld>
+            <a:endParaRPr lang="de-AT" sz="800">
+              <a:solidFill>
+                <a:srgbClr val="626B71"/>
+              </a:solidFill>
+            </a:endParaRPr>
+          </a:p>
+        </p:txBody>
+      </p:sp>
+      <p:sp>
+        <p:nvSpPr>
+          <p:cNvPr id="5" name="Fußzeilenplatzhalter 4">
+            <a:extLst>
+              <a:ext uri="{FF2B5EF4-FFF2-40B4-BE49-F238E27FC236}">
+                <a16:creationId xmlns:a16="http://schemas.microsoft.com/office/drawing/2014/main" id="{98F72DEC-4870-4799-9D14-27987512FC64}"/>
+              </a:ext>
+            </a:extLst>
+          </p:cNvPr>
+          <p:cNvSpPr>
+            <a:spLocks noGrp="1"/>
+          </p:cNvSpPr>
+          <p:nvPr>
+            <p:ph type="ftr" sz="quarter" idx="11"/>
+          </p:nvPr>
+        </p:nvSpPr>
+        <p:spPr/>
+        <p:txBody>
+          <a:bodyPr/>
+          <a:lstStyle/>
+          <a:p>
+            <a:pPr>
+              <a:defRPr/>
+            </a:pPr>
+            <a:r>
+              <a:rPr lang="de-AT"/>
+              <a:t>© FH Technikum Wien</a:t>
+            </a:r>
+          </a:p>
+        </p:txBody>
+      </p:sp>
+    </p:spTree>
+    <p:extLst>
+      <p:ext uri="{BB962C8B-B14F-4D97-AF65-F5344CB8AC3E}">
+        <p14:creationId xmlns:p14="http://schemas.microsoft.com/office/powerpoint/2010/main" val="3393118675"/>
+      </p:ext>
+    </p:extLst>
+  </p:cSld>
+  <p:clrMapOvr>
+    <a:masterClrMapping/>
+  </p:clrMapOvr>
+</p:sld>
+</file>
+
+<file path=ppt/slides/slide39.xml><?xml version="1.0" encoding="utf-8"?>
+<p:sld xmlns:a="http://schemas.openxmlformats.org/drawingml/2006/main" xmlns:r="http://schemas.openxmlformats.org/officeDocument/2006/relationships" xmlns:p="http://schemas.openxmlformats.org/presentationml/2006/main">
+  <p:cSld>
+    <p:spTree>
+      <p:nvGrpSpPr>
+        <p:cNvPr id="1" name=""/>
+        <p:cNvGrpSpPr/>
+        <p:nvPr/>
+      </p:nvGrpSpPr>
+      <p:grpSpPr>
+        <a:xfrm>
+          <a:off x="0" y="0"/>
+          <a:ext cx="0" cy="0"/>
+          <a:chOff x="0" y="0"/>
+          <a:chExt cx="0" cy="0"/>
+        </a:xfrm>
+      </p:grpSpPr>
+      <p:sp>
+        <p:nvSpPr>
+          <p:cNvPr id="2" name="Titel 1">
+            <a:extLst>
+              <a:ext uri="{FF2B5EF4-FFF2-40B4-BE49-F238E27FC236}">
+                <a16:creationId xmlns:a16="http://schemas.microsoft.com/office/drawing/2014/main" id="{F81BF8B7-505A-45EE-8533-015BC62300A2}"/>
+              </a:ext>
+            </a:extLst>
+          </p:cNvPr>
+          <p:cNvSpPr>
+            <a:spLocks noGrp="1"/>
+          </p:cNvSpPr>
+          <p:nvPr>
+            <p:ph type="title"/>
+          </p:nvPr>
+        </p:nvSpPr>
+        <p:spPr/>
+        <p:txBody>
+          <a:bodyPr/>
+          <a:lstStyle/>
+          <a:p>
+            <a:r>
+              <a:rPr lang="de-AT" dirty="0" err="1"/>
+              <a:t>Modifying</a:t>
+            </a:r>
+            <a:r>
+              <a:rPr lang="de-AT" dirty="0"/>
+              <a:t> a Plugin</a:t>
+            </a:r>
+          </a:p>
+        </p:txBody>
+      </p:sp>
+      <p:sp>
+        <p:nvSpPr>
+          <p:cNvPr id="3" name="Inhaltsplatzhalter 2">
+            <a:extLst>
+              <a:ext uri="{FF2B5EF4-FFF2-40B4-BE49-F238E27FC236}">
+                <a16:creationId xmlns:a16="http://schemas.microsoft.com/office/drawing/2014/main" id="{70599C29-133C-43F5-A23B-AA6D8A66444F}"/>
+              </a:ext>
+            </a:extLst>
+          </p:cNvPr>
+          <p:cNvSpPr>
+            <a:spLocks noGrp="1"/>
+          </p:cNvSpPr>
+          <p:nvPr>
+            <p:ph idx="1"/>
+          </p:nvPr>
+        </p:nvSpPr>
+        <p:spPr>
+          <a:xfrm>
+            <a:off x="617538" y="1844675"/>
+            <a:ext cx="7848600" cy="4175125"/>
+          </a:xfrm>
+        </p:spPr>
+        <p:txBody>
+          <a:bodyPr/>
+          <a:lstStyle/>
+          <a:p>
+            <a:r>
+              <a:rPr lang="de-AT" dirty="0" err="1"/>
+              <a:t>You</a:t>
+            </a:r>
+            <a:r>
+              <a:rPr lang="de-AT" dirty="0"/>
+              <a:t> must </a:t>
+            </a:r>
+            <a:r>
+              <a:rPr lang="de-AT" dirty="0" err="1"/>
+              <a:t>edit</a:t>
+            </a:r>
+            <a:r>
+              <a:rPr lang="de-AT" dirty="0"/>
+              <a:t> </a:t>
+            </a:r>
+            <a:r>
+              <a:rPr lang="de-AT" dirty="0" err="1"/>
+              <a:t>the</a:t>
+            </a:r>
+            <a:r>
+              <a:rPr lang="de-AT" dirty="0"/>
+              <a:t> </a:t>
+            </a:r>
+            <a:r>
+              <a:rPr lang="de-AT" dirty="0" err="1"/>
+              <a:t>file</a:t>
+            </a:r>
+            <a:br>
+              <a:rPr lang="de-AT" dirty="0"/>
+            </a:br>
+            <a:br>
+              <a:rPr lang="de-AT" b="1" dirty="0">
+                <a:latin typeface="Consolas" panose="020B0609020204030204" pitchFamily="49" charset="0"/>
+                <a:cs typeface="Consolas" panose="020B0609020204030204" pitchFamily="49" charset="0"/>
+              </a:rPr>
+            </a:br>
+            <a:r>
+              <a:rPr lang="en-US" dirty="0">
+                <a:latin typeface="Consolas" panose="020B0609020204030204" pitchFamily="49" charset="0"/>
+                <a:cs typeface="Consolas" panose="020B0609020204030204" pitchFamily="49" charset="0"/>
+              </a:rPr>
+              <a:t>AsTeRICS/ARE/components/&lt;</a:t>
+            </a:r>
+            <a:r>
+              <a:rPr lang="en-US" dirty="0" err="1">
+                <a:latin typeface="Consolas" panose="020B0609020204030204" pitchFamily="49" charset="0"/>
+                <a:cs typeface="Consolas" panose="020B0609020204030204" pitchFamily="49" charset="0"/>
+              </a:rPr>
+              <a:t>mycomponent</a:t>
+            </a:r>
+            <a:r>
+              <a:rPr lang="en-US" dirty="0">
+                <a:latin typeface="Consolas" panose="020B0609020204030204" pitchFamily="49" charset="0"/>
+                <a:cs typeface="Consolas" panose="020B0609020204030204" pitchFamily="49" charset="0"/>
+              </a:rPr>
+              <a:t>&gt;/</a:t>
+            </a:r>
+            <a:r>
+              <a:rPr lang="en-US" dirty="0" err="1">
+                <a:latin typeface="Consolas" panose="020B0609020204030204" pitchFamily="49" charset="0"/>
+                <a:cs typeface="Consolas" panose="020B0609020204030204" pitchFamily="49" charset="0"/>
+              </a:rPr>
+              <a:t>src</a:t>
+            </a:r>
+            <a:r>
+              <a:rPr lang="en-US" dirty="0">
+                <a:latin typeface="Consolas" panose="020B0609020204030204" pitchFamily="49" charset="0"/>
+                <a:cs typeface="Consolas" panose="020B0609020204030204" pitchFamily="49" charset="0"/>
+              </a:rPr>
+              <a:t>/main/resources/</a:t>
+            </a:r>
+            <a:r>
+              <a:rPr lang="de-AT" dirty="0">
+                <a:latin typeface="Consolas" panose="020B0609020204030204" pitchFamily="49" charset="0"/>
+                <a:cs typeface="Consolas" panose="020B0609020204030204" pitchFamily="49" charset="0"/>
+              </a:rPr>
+              <a:t>bundle_descriptor.xml</a:t>
+            </a:r>
+            <a:endParaRPr lang="de-AT" b="1" dirty="0">
+              <a:latin typeface="Consolas" panose="020B0609020204030204" pitchFamily="49" charset="0"/>
+              <a:cs typeface="Consolas" panose="020B0609020204030204" pitchFamily="49" charset="0"/>
+            </a:endParaRPr>
+          </a:p>
+          <a:p>
+            <a:endParaRPr lang="de-AT" b="1" dirty="0">
+              <a:latin typeface="Consolas" panose="020B0609020204030204" pitchFamily="49" charset="0"/>
+              <a:cs typeface="Consolas" panose="020B0609020204030204" pitchFamily="49" charset="0"/>
+            </a:endParaRPr>
+          </a:p>
+          <a:p>
+            <a:r>
+              <a:rPr lang="de-AT" dirty="0"/>
+              <a:t>and update </a:t>
+            </a:r>
+            <a:r>
+              <a:rPr lang="de-AT" dirty="0" err="1"/>
+              <a:t>your</a:t>
+            </a:r>
+            <a:r>
+              <a:rPr lang="de-AT" dirty="0"/>
+              <a:t> </a:t>
+            </a:r>
+            <a:r>
+              <a:rPr lang="de-AT" dirty="0" err="1"/>
+              <a:t>code</a:t>
+            </a:r>
+            <a:r>
+              <a:rPr lang="de-AT" dirty="0"/>
+              <a:t> </a:t>
+            </a:r>
+            <a:r>
+              <a:rPr lang="de-AT" dirty="0" err="1"/>
+              <a:t>accordingly</a:t>
+            </a:r>
+            <a:endParaRPr lang="de-AT" dirty="0"/>
+          </a:p>
+        </p:txBody>
+      </p:sp>
+      <p:sp>
+        <p:nvSpPr>
+          <p:cNvPr id="4" name="Foliennummernplatzhalter 3">
+            <a:extLst>
+              <a:ext uri="{FF2B5EF4-FFF2-40B4-BE49-F238E27FC236}">
+                <a16:creationId xmlns:a16="http://schemas.microsoft.com/office/drawing/2014/main" id="{5DAFD67A-B7D1-41F2-9FA8-AB84AB92B695}"/>
+              </a:ext>
+            </a:extLst>
+          </p:cNvPr>
+          <p:cNvSpPr>
+            <a:spLocks noGrp="1"/>
+          </p:cNvSpPr>
+          <p:nvPr>
+            <p:ph type="sldNum" sz="quarter" idx="10"/>
+          </p:nvPr>
+        </p:nvSpPr>
+        <p:spPr/>
+        <p:txBody>
+          <a:bodyPr/>
+          <a:lstStyle/>
+          <a:p>
+            <a:pPr>
+              <a:defRPr/>
+            </a:pPr>
+            <a:endParaRPr lang="de-AT"/>
+          </a:p>
+          <a:p>
+            <a:pPr>
+              <a:defRPr/>
+            </a:pPr>
+            <a:fld id="{FC57D116-29D2-4BDB-82E7-EE58344D87BF}" type="slidenum">
+              <a:rPr lang="de-AT" sz="800" smtClean="0">
+                <a:solidFill>
+                  <a:srgbClr val="626B71"/>
+                </a:solidFill>
+              </a:rPr>
+              <a:pPr>
+                <a:defRPr/>
+              </a:pPr>
+              <a:t>39</a:t>
+            </a:fld>
+            <a:endParaRPr lang="de-AT" sz="800">
+              <a:solidFill>
+                <a:srgbClr val="626B71"/>
+              </a:solidFill>
+            </a:endParaRPr>
+          </a:p>
+        </p:txBody>
+      </p:sp>
+      <p:sp>
+        <p:nvSpPr>
+          <p:cNvPr id="5" name="Fußzeilenplatzhalter 4">
+            <a:extLst>
+              <a:ext uri="{FF2B5EF4-FFF2-40B4-BE49-F238E27FC236}">
+                <a16:creationId xmlns:a16="http://schemas.microsoft.com/office/drawing/2014/main" id="{98F72DEC-4870-4799-9D14-27987512FC64}"/>
+              </a:ext>
+            </a:extLst>
+          </p:cNvPr>
+          <p:cNvSpPr>
+            <a:spLocks noGrp="1"/>
+          </p:cNvSpPr>
+          <p:nvPr>
+            <p:ph type="ftr" sz="quarter" idx="11"/>
+          </p:nvPr>
+        </p:nvSpPr>
+        <p:spPr/>
+        <p:txBody>
+          <a:bodyPr/>
+          <a:lstStyle/>
+          <a:p>
+            <a:pPr>
+              <a:defRPr/>
+            </a:pPr>
+            <a:r>
+              <a:rPr lang="de-AT"/>
+              <a:t>© FH Technikum Wien</a:t>
+            </a:r>
+          </a:p>
+        </p:txBody>
+      </p:sp>
+    </p:spTree>
+    <p:extLst>
+      <p:ext uri="{BB962C8B-B14F-4D97-AF65-F5344CB8AC3E}">
+        <p14:creationId xmlns:p14="http://schemas.microsoft.com/office/powerpoint/2010/main" val="3840383355"/>
       </p:ext>
     </p:extLst>
   </p:cSld>

--- a/Documentation/AsTeRICS Plugin Development.pptx
+++ b/Documentation/AsTeRICS Plugin Development.pptx
@@ -306,7 +306,7 @@
               <a:pPr>
                 <a:defRPr/>
               </a:pPr>
-              <a:t>26.04.2018</a:t>
+              <a:t>30.04.2018</a:t>
             </a:fld>
             <a:endParaRPr lang="de-AT"/>
           </a:p>
@@ -7161,12 +7161,8 @@
           </a:p>
           <a:p>
             <a:r>
-              <a:rPr lang="de-AT" dirty="0" err="1"/>
-              <a:t>Generate</a:t>
-            </a:r>
-            <a:r>
-              <a:rPr lang="de-AT" dirty="0"/>
-              <a:t> </a:t>
+              <a:rPr lang="de-AT" dirty="0"/>
+              <a:t>Generate </a:t>
             </a:r>
             <a:r>
               <a:rPr lang="de-AT" dirty="0" err="1"/>
@@ -7206,15 +7202,7 @@
             </a:r>
             <a:r>
               <a:rPr lang="de-AT" dirty="0"/>
-              <a:t> </a:t>
-            </a:r>
-            <a:r>
-              <a:rPr lang="de-AT" dirty="0" err="1"/>
-              <a:t>and</a:t>
-            </a:r>
-            <a:r>
-              <a:rPr lang="de-AT" dirty="0"/>
-              <a:t> </a:t>
+              <a:t> and </a:t>
             </a:r>
             <a:r>
               <a:rPr lang="de-AT" dirty="0" err="1"/>
@@ -7227,6 +7215,20 @@
             <a:r>
               <a:rPr lang="de-AT" dirty="0" err="1"/>
               <a:t>script</a:t>
+            </a:r>
+            <a:endParaRPr lang="de-AT" dirty="0"/>
+          </a:p>
+          <a:p>
+            <a:endParaRPr lang="de-AT" dirty="0"/>
+          </a:p>
+          <a:p>
+            <a:r>
+              <a:rPr lang="de-AT" dirty="0" err="1"/>
+              <a:t>Finally</a:t>
+            </a:r>
+            <a:r>
+              <a:rPr lang="de-AT" dirty="0"/>
+              <a:t> „CREATE PLUGIN“</a:t>
             </a:r>
             <a:endParaRPr lang="en-US" dirty="0"/>
           </a:p>
@@ -7300,60 +7302,6 @@
           </a:p>
         </p:txBody>
       </p:sp>
-      <p:pic>
-        <p:nvPicPr>
-          <p:cNvPr id="2050" name="Grafik 1"/>
-          <p:cNvPicPr>
-            <a:picLocks noChangeAspect="1" noChangeArrowheads="1"/>
-          </p:cNvPicPr>
-          <p:nvPr/>
-        </p:nvPicPr>
-        <p:blipFill>
-          <a:blip r:embed="rId2">
-            <a:extLst>
-              <a:ext uri="{28A0092B-C50C-407E-A947-70E740481C1C}">
-                <a14:useLocalDpi xmlns:a14="http://schemas.microsoft.com/office/drawing/2010/main" val="0"/>
-              </a:ext>
-            </a:extLst>
-          </a:blip>
-          <a:srcRect/>
-          <a:stretch>
-            <a:fillRect/>
-          </a:stretch>
-        </p:blipFill>
-        <p:spPr bwMode="auto">
-          <a:xfrm>
-            <a:off x="1674007" y="2132856"/>
-            <a:ext cx="5795987" cy="4054420"/>
-          </a:xfrm>
-          <a:prstGeom prst="rect">
-            <a:avLst/>
-          </a:prstGeom>
-          <a:noFill/>
-          <a:ln>
-            <a:noFill/>
-          </a:ln>
-          <a:extLst>
-            <a:ext uri="{909E8E84-426E-40DD-AFC4-6F175D3DCCD1}">
-              <a14:hiddenFill xmlns:a14="http://schemas.microsoft.com/office/drawing/2010/main">
-                <a:solidFill>
-                  <a:srgbClr val="FFFFFF"/>
-                </a:solidFill>
-              </a14:hiddenFill>
-            </a:ext>
-            <a:ext uri="{91240B29-F687-4F45-9708-019B960494DF}">
-              <a14:hiddenLine xmlns:a14="http://schemas.microsoft.com/office/drawing/2010/main" w="9525">
-                <a:solidFill>
-                  <a:srgbClr val="000000"/>
-                </a:solidFill>
-                <a:miter lim="800000"/>
-                <a:headEnd/>
-                <a:tailEnd/>
-              </a14:hiddenLine>
-            </a:ext>
-          </a:extLst>
-        </p:spPr>
-      </p:pic>
     </p:spTree>
     <p:extLst>
       <p:ext uri="{BB962C8B-B14F-4D97-AF65-F5344CB8AC3E}">
@@ -7623,6 +7571,14 @@
             </a:r>
             <a:r>
               <a:rPr lang="de-AT" dirty="0" err="1"/>
+              <a:t>git</a:t>
+            </a:r>
+            <a:r>
+              <a:rPr lang="de-AT" dirty="0"/>
+              <a:t> </a:t>
+            </a:r>
+            <a:r>
+              <a:rPr lang="de-AT" dirty="0" err="1"/>
               <a:t>target</a:t>
             </a:r>
             <a:r>
@@ -7644,19 +7600,7 @@
               <a:rPr lang="de-AT" dirty="0">
                 <a:latin typeface="Source Code Pro" panose="020B0509030403020204" pitchFamily="49" charset="0"/>
               </a:rPr>
-              <a:t>&lt;</a:t>
-            </a:r>
-            <a:r>
-              <a:rPr lang="de-AT" dirty="0" err="1">
-                <a:latin typeface="Source Code Pro" panose="020B0509030403020204" pitchFamily="49" charset="0"/>
-              </a:rPr>
-              <a:t>AsTeRICS</a:t>
-            </a:r>
-            <a:r>
-              <a:rPr lang="de-AT" dirty="0">
-                <a:latin typeface="Source Code Pro" panose="020B0509030403020204" pitchFamily="49" charset="0"/>
-              </a:rPr>
-              <a:t> ROOT&gt;/ARE/</a:t>
+              <a:t>&lt;AsTeRICS ROOT&gt;/ARE/</a:t>
             </a:r>
             <a:r>
               <a:rPr lang="de-AT" dirty="0" err="1">
@@ -7792,6 +7736,50 @@
           </a:extLst>
         </p:spPr>
       </p:pic>
+      <p:cxnSp>
+        <p:nvCxnSpPr>
+          <p:cNvPr id="7" name="Gerade Verbindung mit Pfeil 6">
+            <a:extLst>
+              <a:ext uri="{FF2B5EF4-FFF2-40B4-BE49-F238E27FC236}">
+                <a16:creationId xmlns:a16="http://schemas.microsoft.com/office/drawing/2014/main" id="{969D36B5-FE4B-4460-AF70-9FB62EBA0C33}"/>
+              </a:ext>
+            </a:extLst>
+          </p:cNvPr>
+          <p:cNvCxnSpPr>
+            <a:cxnSpLocks/>
+          </p:cNvCxnSpPr>
+          <p:nvPr/>
+        </p:nvCxnSpPr>
+        <p:spPr>
+          <a:xfrm>
+            <a:off x="6228184" y="4293096"/>
+            <a:ext cx="791492" cy="624852"/>
+          </a:xfrm>
+          <a:prstGeom prst="straightConnector1">
+            <a:avLst/>
+          </a:prstGeom>
+          <a:ln w="28575">
+            <a:solidFill>
+              <a:srgbClr val="FF0000"/>
+            </a:solidFill>
+            <a:tailEnd type="triangle"/>
+          </a:ln>
+        </p:spPr>
+        <p:style>
+          <a:lnRef idx="1">
+            <a:schemeClr val="dk1"/>
+          </a:lnRef>
+          <a:fillRef idx="0">
+            <a:schemeClr val="dk1"/>
+          </a:fillRef>
+          <a:effectRef idx="0">
+            <a:schemeClr val="dk1"/>
+          </a:effectRef>
+          <a:fontRef idx="minor">
+            <a:schemeClr val="tx1"/>
+          </a:fontRef>
+        </p:style>
+      </p:cxnSp>
     </p:spTree>
     <p:extLst>
       <p:ext uri="{BB962C8B-B14F-4D97-AF65-F5344CB8AC3E}">
